--- a/Halal Blockchain Hub.pptx
+++ b/Halal Blockchain Hub.pptx
@@ -120,6 +120,11 @@
       </a:defRPr>
     </a:lvl9pPr>
   </p:defaultTextStyle>
+  <p:extLst>
+    <p:ext uri="{EFAFB233-063F-42B5-8137-9DF3F51BA10A}">
+      <p15:sldGuideLst xmlns:p15="http://schemas.microsoft.com/office/powerpoint/2012/main"/>
+    </p:ext>
+  </p:extLst>
 </p:presentation>
 </file>
 
@@ -2088,10 +2093,10 @@
     <dgm:cxn modelId="{845E2E3B-F87D-2346-B4D5-B787C3D1D89D}" type="presOf" srcId="{4982B33E-EADF-2448-AD86-675B1582CAA6}" destId="{95FFCDBD-E508-C74A-8A2F-241B0EDACAF8}" srcOrd="0" destOrd="2" presId="urn:microsoft.com/office/officeart/2005/8/layout/hProcess7"/>
     <dgm:cxn modelId="{73FD1740-9F1F-E54C-AA40-0AFE61C59877}" type="presOf" srcId="{0B160EAC-792F-0048-8749-23C91161714A}" destId="{54479BA7-F377-E246-887F-F2F2C151596A}" srcOrd="1" destOrd="0" presId="urn:microsoft.com/office/officeart/2005/8/layout/hProcess7"/>
     <dgm:cxn modelId="{EFD4CD49-21C1-CE48-80E5-CE3FD53BD2B5}" type="presOf" srcId="{803C03B8-A20F-C44E-98BF-93E2615E2663}" destId="{95FFCDBD-E508-C74A-8A2F-241B0EDACAF8}" srcOrd="0" destOrd="1" presId="urn:microsoft.com/office/officeart/2005/8/layout/hProcess7"/>
+    <dgm:cxn modelId="{5516E06A-4A43-2C4C-878F-E82EEDCAAB99}" type="presOf" srcId="{B496FE34-8B46-1348-A178-BD34F1959AA6}" destId="{B1A992EF-6F40-6648-901E-8ADD280A8C72}" srcOrd="0" destOrd="0" presId="urn:microsoft.com/office/officeart/2005/8/layout/hProcess7"/>
+    <dgm:cxn modelId="{15F1B46B-CC85-0543-90E7-11BEC242589E}" type="presOf" srcId="{366B8E1E-B84D-FE41-99CE-2E61F389F600}" destId="{B2F8D4A9-6293-5B45-A758-3197DA1FA7BF}" srcOrd="0" destOrd="1" presId="urn:microsoft.com/office/officeart/2005/8/layout/hProcess7"/>
     <dgm:cxn modelId="{C77C2A4E-9F97-7B4B-9887-D2D326B2E9E4}" type="presOf" srcId="{3904D9E0-75C5-084A-B162-AB82300AF642}" destId="{9DB195CB-9414-1C4D-9A94-53E76516A326}" srcOrd="1" destOrd="0" presId="urn:microsoft.com/office/officeart/2005/8/layout/hProcess7"/>
     <dgm:cxn modelId="{265EC64E-6E82-0542-A92C-1E5638A35976}" type="presOf" srcId="{635F8598-3CA3-324F-888F-F739418D0E0F}" destId="{B1A992EF-6F40-6648-901E-8ADD280A8C72}" srcOrd="0" destOrd="1" presId="urn:microsoft.com/office/officeart/2005/8/layout/hProcess7"/>
-    <dgm:cxn modelId="{5516E06A-4A43-2C4C-878F-E82EEDCAAB99}" type="presOf" srcId="{B496FE34-8B46-1348-A178-BD34F1959AA6}" destId="{B1A992EF-6F40-6648-901E-8ADD280A8C72}" srcOrd="0" destOrd="0" presId="urn:microsoft.com/office/officeart/2005/8/layout/hProcess7"/>
-    <dgm:cxn modelId="{15F1B46B-CC85-0543-90E7-11BEC242589E}" type="presOf" srcId="{366B8E1E-B84D-FE41-99CE-2E61F389F600}" destId="{B2F8D4A9-6293-5B45-A758-3197DA1FA7BF}" srcOrd="0" destOrd="1" presId="urn:microsoft.com/office/officeart/2005/8/layout/hProcess7"/>
     <dgm:cxn modelId="{A7795C74-64FB-A64E-8D89-0EB2D39EFABC}" type="presOf" srcId="{4AEA1F23-114B-0E4F-8F8F-ACBFBB7D30E6}" destId="{95FFCDBD-E508-C74A-8A2F-241B0EDACAF8}" srcOrd="0" destOrd="0" presId="urn:microsoft.com/office/officeart/2005/8/layout/hProcess7"/>
     <dgm:cxn modelId="{2A88CA7D-CFD7-7A48-A57A-EAFC48F6FB19}" srcId="{9A788D75-6378-7B48-B895-731AE9E9CBA1}" destId="{4982B33E-EADF-2448-AD86-675B1582CAA6}" srcOrd="2" destOrd="0" parTransId="{ABCD4419-0136-494A-A6C4-221DCC7052B9}" sibTransId="{4A82D840-F844-384F-904A-F9CE7818F97C}"/>
     <dgm:cxn modelId="{CDC84F83-418A-B74E-BD88-E5E339C608C8}" type="presOf" srcId="{3904D9E0-75C5-084A-B162-AB82300AF642}" destId="{8FD2A990-4091-AB4F-82EB-1125DE5BBF4C}" srcOrd="0" destOrd="0" presId="urn:microsoft.com/office/officeart/2005/8/layout/hProcess7"/>
@@ -15056,7 +15061,7 @@
           <a:p>
             <a:fld id="{6AD6EE87-EBD5-4F12-A48A-63ACA297AC8F}" type="datetimeFigureOut">
               <a:rPr lang="en-US" dirty="0"/>
-              <a:t>6/28/22</a:t>
+              <a:t>7/4/2022</a:t>
             </a:fld>
             <a:endParaRPr lang="en-US" dirty="0"/>
           </a:p>
@@ -15258,7 +15263,7 @@
           <a:p>
             <a:fld id="{4CD73815-2707-4475-8F1A-B873CB631BB4}" type="datetimeFigureOut">
               <a:rPr lang="en-US" dirty="0"/>
-              <a:t>6/28/22</a:t>
+              <a:t>7/4/2022</a:t>
             </a:fld>
             <a:endParaRPr lang="en-US" dirty="0"/>
           </a:p>
@@ -15433,7 +15438,7 @@
           <a:p>
             <a:fld id="{2A4AFB99-0EAB-4182-AFF8-E214C82A68F6}" type="datetimeFigureOut">
               <a:rPr lang="en-US" dirty="0"/>
-              <a:t>6/28/22</a:t>
+              <a:t>7/4/2022</a:t>
             </a:fld>
             <a:endParaRPr lang="en-US" dirty="0"/>
           </a:p>
@@ -15633,7 +15638,7 @@
           <a:p>
             <a:fld id="{A5D3794B-289A-4A80-97D7-111025398D45}" type="datetimeFigureOut">
               <a:rPr lang="en-US" dirty="0"/>
-              <a:t>6/28/22</a:t>
+              <a:t>7/4/2022</a:t>
             </a:fld>
             <a:endParaRPr lang="en-US" dirty="0"/>
           </a:p>
@@ -24526,7 +24531,7 @@
           <a:p>
             <a:fld id="{5A61015F-7CC6-4D0A-9D87-873EA4C304CC}" type="datetimeFigureOut">
               <a:rPr lang="en-US" dirty="0"/>
-              <a:t>6/28/22</a:t>
+              <a:t>7/4/2022</a:t>
             </a:fld>
             <a:endParaRPr lang="en-US" dirty="0"/>
           </a:p>
@@ -24795,7 +24800,7 @@
           <a:p>
             <a:fld id="{93C6A301-0538-44EC-B09D-202E1042A48B}" type="datetimeFigureOut">
               <a:rPr lang="en-US" dirty="0"/>
-              <a:t>6/28/22</a:t>
+              <a:t>7/4/2022</a:t>
             </a:fld>
             <a:endParaRPr lang="en-US" dirty="0"/>
           </a:p>
@@ -25188,7 +25193,7 @@
           <a:p>
             <a:fld id="{D789574A-8875-45EF-8EA2-3CAA0F7ABC4C}" type="datetimeFigureOut">
               <a:rPr lang="en-US" dirty="0"/>
-              <a:t>6/28/22</a:t>
+              <a:t>7/4/2022</a:t>
             </a:fld>
             <a:endParaRPr lang="en-US" dirty="0"/>
           </a:p>
@@ -25301,7 +25306,7 @@
           <a:p>
             <a:fld id="{67EF4D4C-5367-4C26-9E2B-D8088D7FCA81}" type="datetimeFigureOut">
               <a:rPr lang="en-US" dirty="0"/>
-              <a:t>6/28/22</a:t>
+              <a:t>7/4/2022</a:t>
             </a:fld>
             <a:endParaRPr lang="en-US" dirty="0"/>
           </a:p>
@@ -25391,7 +25396,7 @@
           <a:p>
             <a:fld id="{56E91E96-98B0-4413-9547-46F3504108EF}" type="datetimeFigureOut">
               <a:rPr lang="en-US" dirty="0"/>
-              <a:t>6/28/22</a:t>
+              <a:t>7/4/2022</a:t>
             </a:fld>
             <a:endParaRPr lang="en-US" dirty="0"/>
           </a:p>
@@ -25676,7 +25681,7 @@
           <a:p>
             <a:fld id="{05C68B11-C5A8-448C-8CE9-B1A273C79CFC}" type="datetimeFigureOut">
               <a:rPr lang="en-US" dirty="0"/>
-              <a:t>6/28/22</a:t>
+              <a:t>7/4/2022</a:t>
             </a:fld>
             <a:endParaRPr lang="en-US" dirty="0"/>
           </a:p>
@@ -25951,7 +25956,7 @@
           <a:p>
             <a:fld id="{C7616CA0-919D-4A49-9C8A-62FDFB3A5183}" type="datetimeFigureOut">
               <a:rPr lang="en-US" dirty="0"/>
-              <a:t>6/28/22</a:t>
+              <a:t>7/4/2022</a:t>
             </a:fld>
             <a:endParaRPr lang="en-US" dirty="0"/>
           </a:p>
@@ -26197,7 +26202,7 @@
             <a:fld id="{90298CD5-6C1E-4009-B41F-6DF62E31D3BE}" type="datetimeFigureOut">
               <a:rPr lang="en-US" dirty="0"/>
               <a:pPr/>
-              <a:t>6/28/22</a:t>
+              <a:t>7/4/2022</a:t>
             </a:fld>
             <a:endParaRPr lang="en-US" dirty="0"/>
           </a:p>
@@ -27511,7 +27516,15 @@
             </a:pPr>
             <a:r>
               <a:rPr lang="en-US" dirty="0"/>
-              <a:t>Operation and Rental Cost: 100,000USD</a:t>
+              <a:t>Operation and Rental Cost: 1</a:t>
+            </a:r>
+            <a:r>
+              <a:rPr lang="en-US" altLang="zh-CN" dirty="0"/>
+              <a:t>Mil </a:t>
+            </a:r>
+            <a:r>
+              <a:rPr lang="en-US" dirty="0"/>
+              <a:t>USD</a:t>
             </a:r>
           </a:p>
           <a:p>
@@ -27520,7 +27533,7 @@
             </a:pPr>
             <a:r>
               <a:rPr lang="en-US" dirty="0"/>
-              <a:t>Total: 1.1Mil USD</a:t>
+              <a:t>Total: 2.1Mil USD</a:t>
             </a:r>
           </a:p>
           <a:p>
